--- a/docs/django2 实战.pptx
+++ b/docs/django2 实战.pptx
@@ -5,7 +5,7 @@
     <p:sldMasterId id="2147483648" r:id="rId1"/>
   </p:sldMasterIdLst>
   <p:notesMasterIdLst>
-    <p:notesMasterId r:id="rId17"/>
+    <p:notesMasterId r:id="rId18"/>
   </p:notesMasterIdLst>
   <p:sldIdLst>
     <p:sldId id="256" r:id="rId2"/>
@@ -23,6 +23,7 @@
     <p:sldId id="275" r:id="rId14"/>
     <p:sldId id="276" r:id="rId15"/>
     <p:sldId id="277" r:id="rId16"/>
+    <p:sldId id="278" r:id="rId17"/>
   </p:sldIdLst>
   <p:sldSz cx="12192000" cy="6858000"/>
   <p:notesSz cx="6858000" cy="9144000"/>
@@ -4888,6 +4889,586 @@
     <p:extLst>
       <p:ext uri="{BB962C8B-B14F-4D97-AF65-F5344CB8AC3E}">
         <p14:creationId xmlns:p14="http://schemas.microsoft.com/office/powerpoint/2010/main" val="1967513926"/>
+      </p:ext>
+    </p:extLst>
+  </p:cSld>
+  <p:clrMapOvr>
+    <a:masterClrMapping/>
+  </p:clrMapOvr>
+  <p:transition spd="med"/>
+  <p:timing>
+    <p:tnLst>
+      <p:par>
+        <p:cTn id="1" dur="indefinite" restart="never" nodeType="tmRoot">
+          <p:childTnLst>
+            <p:seq concurrent="1" nextAc="seek">
+              <p:cTn id="2" dur="indefinite" nodeType="mainSeq">
+                <p:childTnLst>
+                  <p:par>
+                    <p:cTn id="3" fill="hold">
+                      <p:stCondLst>
+                        <p:cond delay="indefinite"/>
+                      </p:stCondLst>
+                      <p:childTnLst>
+                        <p:par>
+                          <p:cTn id="4" fill="hold">
+                            <p:stCondLst>
+                              <p:cond delay="0"/>
+                            </p:stCondLst>
+                            <p:childTnLst>
+                              <p:par>
+                                <p:cTn id="5" presetID="2" presetClass="entr" presetSubtype="4" fill="hold" grpId="0" nodeType="clickEffect">
+                                  <p:stCondLst>
+                                    <p:cond delay="0"/>
+                                  </p:stCondLst>
+                                  <p:iterate>
+                                    <p:tmAbs val="0"/>
+                                  </p:iterate>
+                                  <p:childTnLst>
+                                    <p:set>
+                                      <p:cBhvr>
+                                        <p:cTn id="6" fill="hold"/>
+                                        <p:tgtEl>
+                                          <p:spTgt spid="6"/>
+                                        </p:tgtEl>
+                                        <p:attrNameLst>
+                                          <p:attrName>style.visibility</p:attrName>
+                                        </p:attrNameLst>
+                                      </p:cBhvr>
+                                      <p:to>
+                                        <p:strVal val="visible"/>
+                                      </p:to>
+                                    </p:set>
+                                    <p:anim calcmode="lin" valueType="num">
+                                      <p:cBhvr>
+                                        <p:cTn id="7" dur="500" fill="hold"/>
+                                        <p:tgtEl>
+                                          <p:spTgt spid="6"/>
+                                        </p:tgtEl>
+                                        <p:attrNameLst>
+                                          <p:attrName>ppt_x</p:attrName>
+                                        </p:attrNameLst>
+                                      </p:cBhvr>
+                                      <p:tavLst>
+                                        <p:tav tm="0">
+                                          <p:val>
+                                            <p:strVal val="#ppt_x"/>
+                                          </p:val>
+                                        </p:tav>
+                                        <p:tav tm="100000">
+                                          <p:val>
+                                            <p:strVal val="#ppt_x"/>
+                                          </p:val>
+                                        </p:tav>
+                                      </p:tavLst>
+                                    </p:anim>
+                                    <p:anim calcmode="lin" valueType="num">
+                                      <p:cBhvr>
+                                        <p:cTn id="8" dur="500" fill="hold"/>
+                                        <p:tgtEl>
+                                          <p:spTgt spid="6"/>
+                                        </p:tgtEl>
+                                        <p:attrNameLst>
+                                          <p:attrName>ppt_y</p:attrName>
+                                        </p:attrNameLst>
+                                      </p:cBhvr>
+                                      <p:tavLst>
+                                        <p:tav tm="0">
+                                          <p:val>
+                                            <p:strVal val="1+#ppt_h/2"/>
+                                          </p:val>
+                                        </p:tav>
+                                        <p:tav tm="100000">
+                                          <p:val>
+                                            <p:strVal val="#ppt_y"/>
+                                          </p:val>
+                                        </p:tav>
+                                      </p:tavLst>
+                                    </p:anim>
+                                  </p:childTnLst>
+                                </p:cTn>
+                              </p:par>
+                            </p:childTnLst>
+                          </p:cTn>
+                        </p:par>
+                      </p:childTnLst>
+                    </p:cTn>
+                  </p:par>
+                  <p:par>
+                    <p:cTn id="9" fill="hold">
+                      <p:stCondLst>
+                        <p:cond delay="indefinite"/>
+                      </p:stCondLst>
+                      <p:childTnLst>
+                        <p:par>
+                          <p:cTn id="10" fill="hold">
+                            <p:stCondLst>
+                              <p:cond delay="0"/>
+                            </p:stCondLst>
+                            <p:childTnLst>
+                              <p:par>
+                                <p:cTn id="11" presetID="2" presetClass="entr" presetSubtype="4" fill="hold" grpId="0" nodeType="clickEffect">
+                                  <p:stCondLst>
+                                    <p:cond delay="0"/>
+                                  </p:stCondLst>
+                                  <p:iterate>
+                                    <p:tmAbs val="0"/>
+                                  </p:iterate>
+                                  <p:childTnLst>
+                                    <p:set>
+                                      <p:cBhvr>
+                                        <p:cTn id="12" fill="hold"/>
+                                        <p:tgtEl>
+                                          <p:spTgt spid="5"/>
+                                        </p:tgtEl>
+                                        <p:attrNameLst>
+                                          <p:attrName>style.visibility</p:attrName>
+                                        </p:attrNameLst>
+                                      </p:cBhvr>
+                                      <p:to>
+                                        <p:strVal val="visible"/>
+                                      </p:to>
+                                    </p:set>
+                                    <p:anim calcmode="lin" valueType="num">
+                                      <p:cBhvr>
+                                        <p:cTn id="13" dur="500" fill="hold"/>
+                                        <p:tgtEl>
+                                          <p:spTgt spid="5"/>
+                                        </p:tgtEl>
+                                        <p:attrNameLst>
+                                          <p:attrName>ppt_x</p:attrName>
+                                        </p:attrNameLst>
+                                      </p:cBhvr>
+                                      <p:tavLst>
+                                        <p:tav tm="0">
+                                          <p:val>
+                                            <p:strVal val="#ppt_x"/>
+                                          </p:val>
+                                        </p:tav>
+                                        <p:tav tm="100000">
+                                          <p:val>
+                                            <p:strVal val="#ppt_x"/>
+                                          </p:val>
+                                        </p:tav>
+                                      </p:tavLst>
+                                    </p:anim>
+                                    <p:anim calcmode="lin" valueType="num">
+                                      <p:cBhvr>
+                                        <p:cTn id="14" dur="500" fill="hold"/>
+                                        <p:tgtEl>
+                                          <p:spTgt spid="5"/>
+                                        </p:tgtEl>
+                                        <p:attrNameLst>
+                                          <p:attrName>ppt_y</p:attrName>
+                                        </p:attrNameLst>
+                                      </p:cBhvr>
+                                      <p:tavLst>
+                                        <p:tav tm="0">
+                                          <p:val>
+                                            <p:strVal val="1+#ppt_h/2"/>
+                                          </p:val>
+                                        </p:tav>
+                                        <p:tav tm="100000">
+                                          <p:val>
+                                            <p:strVal val="#ppt_y"/>
+                                          </p:val>
+                                        </p:tav>
+                                      </p:tavLst>
+                                    </p:anim>
+                                  </p:childTnLst>
+                                </p:cTn>
+                              </p:par>
+                            </p:childTnLst>
+                          </p:cTn>
+                        </p:par>
+                      </p:childTnLst>
+                    </p:cTn>
+                  </p:par>
+                  <p:par>
+                    <p:cTn id="15" fill="hold">
+                      <p:stCondLst>
+                        <p:cond delay="indefinite"/>
+                      </p:stCondLst>
+                      <p:childTnLst>
+                        <p:par>
+                          <p:cTn id="16" fill="hold">
+                            <p:stCondLst>
+                              <p:cond delay="0"/>
+                            </p:stCondLst>
+                            <p:childTnLst>
+                              <p:par>
+                                <p:cTn id="17" presetID="2" presetClass="entr" presetSubtype="4" fill="hold" grpId="0" nodeType="clickEffect">
+                                  <p:stCondLst>
+                                    <p:cond delay="0"/>
+                                  </p:stCondLst>
+                                  <p:iterate>
+                                    <p:tmAbs val="0"/>
+                                  </p:iterate>
+                                  <p:childTnLst>
+                                    <p:set>
+                                      <p:cBhvr>
+                                        <p:cTn id="18" fill="hold"/>
+                                        <p:tgtEl>
+                                          <p:spTgt spid="8"/>
+                                        </p:tgtEl>
+                                        <p:attrNameLst>
+                                          <p:attrName>style.visibility</p:attrName>
+                                        </p:attrNameLst>
+                                      </p:cBhvr>
+                                      <p:to>
+                                        <p:strVal val="visible"/>
+                                      </p:to>
+                                    </p:set>
+                                    <p:anim calcmode="lin" valueType="num">
+                                      <p:cBhvr>
+                                        <p:cTn id="19" dur="500" fill="hold"/>
+                                        <p:tgtEl>
+                                          <p:spTgt spid="8"/>
+                                        </p:tgtEl>
+                                        <p:attrNameLst>
+                                          <p:attrName>ppt_x</p:attrName>
+                                        </p:attrNameLst>
+                                      </p:cBhvr>
+                                      <p:tavLst>
+                                        <p:tav tm="0">
+                                          <p:val>
+                                            <p:strVal val="#ppt_x"/>
+                                          </p:val>
+                                        </p:tav>
+                                        <p:tav tm="100000">
+                                          <p:val>
+                                            <p:strVal val="#ppt_x"/>
+                                          </p:val>
+                                        </p:tav>
+                                      </p:tavLst>
+                                    </p:anim>
+                                    <p:anim calcmode="lin" valueType="num">
+                                      <p:cBhvr>
+                                        <p:cTn id="20" dur="500" fill="hold"/>
+                                        <p:tgtEl>
+                                          <p:spTgt spid="8"/>
+                                        </p:tgtEl>
+                                        <p:attrNameLst>
+                                          <p:attrName>ppt_y</p:attrName>
+                                        </p:attrNameLst>
+                                      </p:cBhvr>
+                                      <p:tavLst>
+                                        <p:tav tm="0">
+                                          <p:val>
+                                            <p:strVal val="1+#ppt_h/2"/>
+                                          </p:val>
+                                        </p:tav>
+                                        <p:tav tm="100000">
+                                          <p:val>
+                                            <p:strVal val="#ppt_y"/>
+                                          </p:val>
+                                        </p:tav>
+                                      </p:tavLst>
+                                    </p:anim>
+                                  </p:childTnLst>
+                                </p:cTn>
+                              </p:par>
+                            </p:childTnLst>
+                          </p:cTn>
+                        </p:par>
+                      </p:childTnLst>
+                    </p:cTn>
+                  </p:par>
+                </p:childTnLst>
+              </p:cTn>
+              <p:prevCondLst>
+                <p:cond evt="onPrev" delay="0">
+                  <p:tgtEl>
+                    <p:sldTgt/>
+                  </p:tgtEl>
+                </p:cond>
+              </p:prevCondLst>
+              <p:nextCondLst>
+                <p:cond evt="onNext" delay="0">
+                  <p:tgtEl>
+                    <p:sldTgt/>
+                  </p:tgtEl>
+                </p:cond>
+              </p:nextCondLst>
+            </p:seq>
+          </p:childTnLst>
+        </p:cTn>
+      </p:par>
+    </p:tnLst>
+    <p:bldLst>
+      <p:bldP spid="5" grpId="0" animBg="1" advAuto="0"/>
+      <p:bldP spid="6" grpId="0" animBg="1" advAuto="0"/>
+      <p:bldP spid="8" grpId="0" animBg="1" advAuto="0"/>
+    </p:bldLst>
+  </p:timing>
+</p:sld>
+</file>
+
+<file path=ppt/slides/slide16.xml><?xml version="1.0" encoding="utf-8"?>
+<p:sld xmlns:a="http://schemas.openxmlformats.org/drawingml/2006/main" xmlns:r="http://schemas.openxmlformats.org/officeDocument/2006/relationships" xmlns:p="http://schemas.openxmlformats.org/presentationml/2006/main">
+  <p:cSld>
+    <p:spTree>
+      <p:nvGrpSpPr>
+        <p:cNvPr id="1" name=""/>
+        <p:cNvGrpSpPr/>
+        <p:nvPr/>
+      </p:nvGrpSpPr>
+      <p:grpSpPr>
+        <a:xfrm>
+          <a:off x="0" y="0"/>
+          <a:ext cx="0" cy="0"/>
+          <a:chOff x="0" y="0"/>
+          <a:chExt cx="0" cy="0"/>
+        </a:xfrm>
+      </p:grpSpPr>
+      <p:sp>
+        <p:nvSpPr>
+          <p:cNvPr id="5" name="矩形"/>
+          <p:cNvSpPr txBox="1"/>
+          <p:nvPr/>
+        </p:nvSpPr>
+        <p:spPr>
+          <a:xfrm>
+            <a:off x="543222" y="2963730"/>
+            <a:ext cx="8565283" cy="400105"/>
+          </a:xfrm>
+          <a:prstGeom prst="rect">
+            <a:avLst/>
+          </a:prstGeom>
+          <a:ln w="12700">
+            <a:miter lim="400000"/>
+          </a:ln>
+          <a:extLst>
+            <a:ext uri="{C572A759-6A51-4108-AA02-DFA0A04FC94B}">
+              <ma14:wrappingTextBoxFlag xmlns:ma14="http://schemas.microsoft.com/office/mac/drawingml/2011/main" val="1"/>
+            </a:ext>
+          </a:extLst>
+        </p:spPr>
+        <p:txBody>
+          <a:bodyPr lIns="45718" tIns="45718" rIns="45718" bIns="45718" anchor="ctr">
+            <a:spAutoFit/>
+          </a:bodyPr>
+          <a:lstStyle/>
+          <a:p>
+            <a:pPr marL="800100" lvl="1" indent="-342900">
+              <a:buSzPct val="100000"/>
+              <a:buChar char="◆"/>
+              <a:defRPr sz="2000">
+                <a:solidFill>
+                  <a:srgbClr val="474747"/>
+                </a:solidFill>
+                <a:latin typeface="Microsoft YaHei"/>
+                <a:ea typeface="Microsoft YaHei"/>
+                <a:cs typeface="Microsoft YaHei"/>
+                <a:sym typeface="Microsoft YaHei"/>
+              </a:defRPr>
+            </a:pPr>
+            <a:r>
+              <a:rPr lang="en-US" altLang="zh-CN" dirty="0" err="1">
+                <a:hlinkClick r:id="rId2"/>
+              </a:rPr>
+              <a:t>rest_framework</a:t>
+            </a:r>
+            <a:endParaRPr dirty="0">
+              <a:solidFill>
+                <a:srgbClr val="CB3747"/>
+              </a:solidFill>
+            </a:endParaRPr>
+          </a:p>
+        </p:txBody>
+      </p:sp>
+      <p:sp>
+        <p:nvSpPr>
+          <p:cNvPr id="6" name="矩形"/>
+          <p:cNvSpPr txBox="1"/>
+          <p:nvPr/>
+        </p:nvSpPr>
+        <p:spPr>
+          <a:xfrm>
+            <a:off x="539549" y="2211711"/>
+            <a:ext cx="8565283" cy="400105"/>
+          </a:xfrm>
+          <a:prstGeom prst="rect">
+            <a:avLst/>
+          </a:prstGeom>
+          <a:ln w="12700">
+            <a:miter lim="400000"/>
+          </a:ln>
+          <a:extLst>
+            <a:ext uri="{C572A759-6A51-4108-AA02-DFA0A04FC94B}">
+              <ma14:wrappingTextBoxFlag xmlns:ma14="http://schemas.microsoft.com/office/mac/drawingml/2011/main" val="1"/>
+            </a:ext>
+          </a:extLst>
+        </p:spPr>
+        <p:txBody>
+          <a:bodyPr lIns="45718" tIns="45718" rIns="45718" bIns="45718" anchor="ctr">
+            <a:spAutoFit/>
+          </a:bodyPr>
+          <a:lstStyle/>
+          <a:p>
+            <a:pPr marL="800100" lvl="1" indent="-342900">
+              <a:buSzPct val="100000"/>
+              <a:buChar char="◆"/>
+              <a:defRPr sz="2000">
+                <a:solidFill>
+                  <a:srgbClr val="474747"/>
+                </a:solidFill>
+                <a:latin typeface="Microsoft YaHei"/>
+                <a:ea typeface="Microsoft YaHei"/>
+                <a:cs typeface="Microsoft YaHei"/>
+                <a:sym typeface="Microsoft YaHei"/>
+              </a:defRPr>
+            </a:pPr>
+            <a:r>
+              <a:rPr lang="en-US" altLang="zh-CN" sz="2000" dirty="0" smtClean="0">
+                <a:sym typeface="Microsoft YaHei"/>
+              </a:rPr>
+              <a:t>FBV</a:t>
+            </a:r>
+            <a:r>
+              <a:rPr lang="zh-CN" altLang="en-US" sz="2000" dirty="0" smtClean="0">
+                <a:sym typeface="Microsoft YaHei"/>
+              </a:rPr>
+              <a:t>、</a:t>
+            </a:r>
+            <a:r>
+              <a:rPr lang="en-US" altLang="zh-CN" sz="2000" dirty="0" smtClean="0">
+                <a:sym typeface="Microsoft YaHei"/>
+                <a:hlinkClick r:id="rId3"/>
+              </a:rPr>
+              <a:t>CBV</a:t>
+            </a:r>
+            <a:endParaRPr dirty="0">
+              <a:solidFill>
+                <a:srgbClr val="CB3747"/>
+              </a:solidFill>
+            </a:endParaRPr>
+          </a:p>
+        </p:txBody>
+      </p:sp>
+      <p:sp>
+        <p:nvSpPr>
+          <p:cNvPr id="7" name="矩形"/>
+          <p:cNvSpPr txBox="1"/>
+          <p:nvPr/>
+        </p:nvSpPr>
+        <p:spPr>
+          <a:xfrm>
+            <a:off x="5316907" y="369769"/>
+            <a:ext cx="1631212" cy="553994"/>
+          </a:xfrm>
+          <a:prstGeom prst="rect">
+            <a:avLst/>
+          </a:prstGeom>
+          <a:ln w="12700">
+            <a:miter lim="400000"/>
+          </a:ln>
+          <a:extLst>
+            <a:ext uri="{C572A759-6A51-4108-AA02-DFA0A04FC94B}">
+              <ma14:wrappingTextBoxFlag xmlns:ma14="http://schemas.microsoft.com/office/mac/drawingml/2011/main" val="1"/>
+            </a:ext>
+          </a:extLst>
+        </p:spPr>
+        <p:txBody>
+          <a:bodyPr wrap="none" lIns="45718" tIns="45718" rIns="45718" bIns="45718">
+            <a:spAutoFit/>
+          </a:bodyPr>
+          <a:lstStyle>
+            <a:lvl1pPr>
+              <a:defRPr sz="3000">
+                <a:solidFill>
+                  <a:srgbClr val="C9394A"/>
+                </a:solidFill>
+                <a:latin typeface="Microsoft YaHei"/>
+                <a:ea typeface="Microsoft YaHei"/>
+                <a:cs typeface="Microsoft YaHei"/>
+                <a:sym typeface="Microsoft YaHei"/>
+              </a:defRPr>
+            </a:lvl1pPr>
+          </a:lstStyle>
+          <a:p>
+            <a:r>
+              <a:rPr lang="zh-CN" altLang="en-US" dirty="0" smtClean="0"/>
+              <a:t>课程总结</a:t>
+            </a:r>
+            <a:endParaRPr dirty="0"/>
+          </a:p>
+        </p:txBody>
+      </p:sp>
+      <p:sp>
+        <p:nvSpPr>
+          <p:cNvPr id="8" name="矩形"/>
+          <p:cNvSpPr txBox="1"/>
+          <p:nvPr/>
+        </p:nvSpPr>
+        <p:spPr>
+          <a:xfrm>
+            <a:off x="539549" y="3715749"/>
+            <a:ext cx="8565283" cy="400105"/>
+          </a:xfrm>
+          <a:prstGeom prst="rect">
+            <a:avLst/>
+          </a:prstGeom>
+          <a:ln w="12700">
+            <a:miter lim="400000"/>
+          </a:ln>
+          <a:extLst>
+            <a:ext uri="{C572A759-6A51-4108-AA02-DFA0A04FC94B}">
+              <ma14:wrappingTextBoxFlag xmlns:ma14="http://schemas.microsoft.com/office/mac/drawingml/2011/main" val="1"/>
+            </a:ext>
+          </a:extLst>
+        </p:spPr>
+        <p:txBody>
+          <a:bodyPr lIns="45718" tIns="45718" rIns="45718" bIns="45718" anchor="ctr">
+            <a:spAutoFit/>
+          </a:bodyPr>
+          <a:lstStyle/>
+          <a:p>
+            <a:pPr marL="800100" lvl="1" indent="-342900">
+              <a:buSzPct val="100000"/>
+              <a:buChar char="◆"/>
+              <a:defRPr sz="2000">
+                <a:solidFill>
+                  <a:srgbClr val="474747"/>
+                </a:solidFill>
+                <a:latin typeface="Microsoft YaHei"/>
+                <a:ea typeface="Microsoft YaHei"/>
+                <a:cs typeface="Microsoft YaHei"/>
+                <a:sym typeface="Microsoft YaHei"/>
+              </a:defRPr>
+            </a:pPr>
+            <a:r>
+              <a:rPr lang="en-US" altLang="zh-CN" sz="2000" dirty="0" err="1" smtClean="0">
+                <a:sym typeface="Microsoft YaHei"/>
+                <a:hlinkClick r:id="rId4"/>
+              </a:rPr>
+              <a:t>VueJS</a:t>
+            </a:r>
+            <a:r>
+              <a:rPr lang="en-US" altLang="zh-CN" sz="2000" dirty="0" smtClean="0">
+                <a:sym typeface="Microsoft YaHei"/>
+              </a:rPr>
+              <a:t>/</a:t>
+            </a:r>
+            <a:r>
+              <a:rPr lang="en-US" altLang="zh-CN" sz="2000" dirty="0" smtClean="0">
+                <a:sym typeface="Microsoft YaHei"/>
+                <a:hlinkClick r:id="rId5"/>
+              </a:rPr>
+              <a:t>React</a:t>
+            </a:r>
+            <a:endParaRPr dirty="0">
+              <a:solidFill>
+                <a:srgbClr val="CB3747"/>
+              </a:solidFill>
+            </a:endParaRPr>
+          </a:p>
+        </p:txBody>
+      </p:sp>
+    </p:spTree>
+    <p:extLst>
+      <p:ext uri="{BB962C8B-B14F-4D97-AF65-F5344CB8AC3E}">
+        <p14:creationId xmlns:p14="http://schemas.microsoft.com/office/powerpoint/2010/main" val="1365180540"/>
       </p:ext>
     </p:extLst>
   </p:cSld>

--- a/docs/django2 实战.pptx
+++ b/docs/django2 实战.pptx
@@ -5,7 +5,7 @@
     <p:sldMasterId id="2147483648" r:id="rId1"/>
   </p:sldMasterIdLst>
   <p:notesMasterIdLst>
-    <p:notesMasterId r:id="rId18"/>
+    <p:notesMasterId r:id="rId19"/>
   </p:notesMasterIdLst>
   <p:sldIdLst>
     <p:sldId id="256" r:id="rId2"/>
@@ -24,6 +24,7 @@
     <p:sldId id="276" r:id="rId15"/>
     <p:sldId id="277" r:id="rId16"/>
     <p:sldId id="278" r:id="rId17"/>
+    <p:sldId id="279" r:id="rId18"/>
   </p:sldIdLst>
   <p:sldSz cx="12192000" cy="6858000"/>
   <p:notesSz cx="6858000" cy="9144000"/>
@@ -328,7 +329,7 @@
   <p:extLst>
     <p:ext uri="{EFAFB233-063F-42B5-8137-9DF3F51BA10A}">
       <p15:sldGuideLst xmlns:p15="http://schemas.microsoft.com/office/powerpoint/2012/main">
-        <p15:guide id="1" orient="horz" pos="2137" userDrawn="1">
+        <p15:guide id="1" orient="horz" pos="2115" userDrawn="1">
           <p15:clr>
             <a:srgbClr val="A4A3A4"/>
           </p15:clr>
@@ -5780,6 +5781,536 @@
       <p:bldP spid="6" grpId="0" animBg="1" advAuto="0"/>
       <p:bldP spid="8" grpId="0" animBg="1" advAuto="0"/>
     </p:bldLst>
+  </p:timing>
+</p:sld>
+</file>
+
+<file path=ppt/slides/slide17.xml><?xml version="1.0" encoding="utf-8"?>
+<p:sld xmlns:a="http://schemas.openxmlformats.org/drawingml/2006/main" xmlns:r="http://schemas.openxmlformats.org/officeDocument/2006/relationships" xmlns:p="http://schemas.openxmlformats.org/presentationml/2006/main">
+  <p:cSld>
+    <p:spTree>
+      <p:nvGrpSpPr>
+        <p:cNvPr id="1" name=""/>
+        <p:cNvGrpSpPr/>
+        <p:nvPr/>
+      </p:nvGrpSpPr>
+      <p:grpSpPr>
+        <a:xfrm>
+          <a:off x="0" y="0"/>
+          <a:ext cx="0" cy="0"/>
+          <a:chOff x="0" y="0"/>
+          <a:chExt cx="0" cy="0"/>
+        </a:xfrm>
+      </p:grpSpPr>
+      <p:sp>
+        <p:nvSpPr>
+          <p:cNvPr id="2" name="TextBox 1"/>
+          <p:cNvSpPr txBox="1"/>
+          <p:nvPr/>
+        </p:nvSpPr>
+        <p:spPr>
+          <a:xfrm>
+            <a:off x="5060426" y="730545"/>
+            <a:ext cx="2144173" cy="707882"/>
+          </a:xfrm>
+          <a:prstGeom prst="rect">
+            <a:avLst/>
+          </a:prstGeom>
+          <a:noFill/>
+          <a:ln w="12700" cap="flat">
+            <a:noFill/>
+            <a:miter lim="400000"/>
+          </a:ln>
+          <a:effectLst/>
+          <a:sp3d/>
+        </p:spPr>
+        <p:style>
+          <a:lnRef idx="0">
+            <a:scrgbClr r="0" g="0" b="0"/>
+          </a:lnRef>
+          <a:fillRef idx="0">
+            <a:scrgbClr r="0" g="0" b="0"/>
+          </a:fillRef>
+          <a:effectRef idx="0">
+            <a:scrgbClr r="0" g="0" b="0"/>
+          </a:effectRef>
+          <a:fontRef idx="none"/>
+        </p:style>
+        <p:txBody>
+          <a:bodyPr rot="0" spcFirstLastPara="1" vertOverflow="overflow" horzOverflow="overflow" vert="horz" wrap="none" lIns="45718" tIns="45718" rIns="45718" bIns="45718" numCol="1" spcCol="38100" rtlCol="0" anchor="t">
+            <a:spAutoFit/>
+          </a:bodyPr>
+          <a:lstStyle/>
+          <a:p>
+            <a:pPr marL="0" marR="0" indent="0" algn="l" defTabSz="914400" rtl="0" fontAlgn="auto" latinLnBrk="0" hangingPunct="0">
+              <a:lnSpc>
+                <a:spcPct val="100000"/>
+              </a:lnSpc>
+              <a:spcBef>
+                <a:spcPts val="0"/>
+              </a:spcBef>
+              <a:spcAft>
+                <a:spcPts val="0"/>
+              </a:spcAft>
+              <a:buClrTx/>
+              <a:buSzTx/>
+              <a:buFontTx/>
+              <a:buNone/>
+              <a:tabLst/>
+            </a:pPr>
+            <a:r>
+              <a:rPr kumimoji="0" lang="zh-CN" altLang="en-US" sz="4000" b="0" i="0" u="none" strike="noStrike" cap="none" spc="0" normalizeH="0" baseline="0" dirty="0" smtClean="0">
+                <a:ln>
+                  <a:noFill/>
+                </a:ln>
+                <a:solidFill>
+                  <a:srgbClr val="000000"/>
+                </a:solidFill>
+                <a:effectLst/>
+                <a:uFillTx/>
+                <a:latin typeface="+mj-lt"/>
+                <a:ea typeface="+mj-ea"/>
+                <a:cs typeface="+mj-cs"/>
+                <a:sym typeface="Helvetica"/>
+              </a:rPr>
+              <a:t>谢谢大家</a:t>
+            </a:r>
+            <a:endParaRPr kumimoji="0" lang="en-US" sz="4000" b="0" i="0" u="none" strike="noStrike" cap="none" spc="0" normalizeH="0" baseline="0" dirty="0">
+              <a:ln>
+                <a:noFill/>
+              </a:ln>
+              <a:solidFill>
+                <a:srgbClr val="000000"/>
+              </a:solidFill>
+              <a:effectLst/>
+              <a:uFillTx/>
+              <a:latin typeface="+mj-lt"/>
+              <a:ea typeface="+mj-ea"/>
+              <a:cs typeface="+mj-cs"/>
+              <a:sym typeface="Helvetica"/>
+            </a:endParaRPr>
+          </a:p>
+        </p:txBody>
+      </p:sp>
+      <p:sp>
+        <p:nvSpPr>
+          <p:cNvPr id="4" name="TextBox 3"/>
+          <p:cNvSpPr txBox="1"/>
+          <p:nvPr/>
+        </p:nvSpPr>
+        <p:spPr>
+          <a:xfrm>
+            <a:off x="4778298" y="2044960"/>
+            <a:ext cx="2708430" cy="1200325"/>
+          </a:xfrm>
+          <a:prstGeom prst="rect">
+            <a:avLst/>
+          </a:prstGeom>
+          <a:noFill/>
+          <a:ln w="12700" cap="flat">
+            <a:noFill/>
+            <a:miter lim="400000"/>
+          </a:ln>
+          <a:effectLst/>
+          <a:sp3d/>
+        </p:spPr>
+        <p:style>
+          <a:lnRef idx="0">
+            <a:scrgbClr r="0" g="0" b="0"/>
+          </a:lnRef>
+          <a:fillRef idx="0">
+            <a:scrgbClr r="0" g="0" b="0"/>
+          </a:fillRef>
+          <a:effectRef idx="0">
+            <a:scrgbClr r="0" g="0" b="0"/>
+          </a:effectRef>
+          <a:fontRef idx="none"/>
+        </p:style>
+        <p:txBody>
+          <a:bodyPr rot="0" spcFirstLastPara="1" vertOverflow="overflow" horzOverflow="overflow" vert="horz" wrap="none" lIns="45718" tIns="45718" rIns="45718" bIns="45718" numCol="1" spcCol="38100" rtlCol="0" anchor="t">
+            <a:spAutoFit/>
+          </a:bodyPr>
+          <a:lstStyle/>
+          <a:p>
+            <a:pPr marL="0" marR="0" indent="0" algn="l" defTabSz="914400" rtl="0" fontAlgn="auto" latinLnBrk="0" hangingPunct="0">
+              <a:lnSpc>
+                <a:spcPct val="100000"/>
+              </a:lnSpc>
+              <a:spcBef>
+                <a:spcPts val="0"/>
+              </a:spcBef>
+              <a:spcAft>
+                <a:spcPts val="0"/>
+              </a:spcAft>
+              <a:buClrTx/>
+              <a:buSzTx/>
+              <a:buFontTx/>
+              <a:buNone/>
+              <a:tabLst/>
+            </a:pPr>
+            <a:r>
+              <a:rPr kumimoji="0" lang="zh-CN" altLang="en-US" sz="1800" b="0" i="0" u="none" strike="noStrike" cap="none" spc="0" normalizeH="0" baseline="0" dirty="0" smtClean="0">
+                <a:ln>
+                  <a:noFill/>
+                </a:ln>
+                <a:solidFill>
+                  <a:srgbClr val="000000"/>
+                </a:solidFill>
+                <a:effectLst/>
+                <a:uFillTx/>
+                <a:latin typeface="+mj-lt"/>
+                <a:ea typeface="+mj-ea"/>
+                <a:cs typeface="+mj-cs"/>
+                <a:sym typeface="Helvetica"/>
+              </a:rPr>
+              <a:t>网站：</a:t>
+            </a:r>
+            <a:r>
+              <a:rPr kumimoji="0" lang="en-US" altLang="zh-CN" sz="1800" b="0" i="0" u="none" strike="noStrike" cap="none" spc="0" normalizeH="0" baseline="0" dirty="0" smtClean="0">
+                <a:ln>
+                  <a:noFill/>
+                </a:ln>
+                <a:solidFill>
+                  <a:srgbClr val="000000"/>
+                </a:solidFill>
+                <a:effectLst/>
+                <a:uFillTx/>
+                <a:latin typeface="+mj-lt"/>
+                <a:ea typeface="+mj-ea"/>
+                <a:cs typeface="+mj-cs"/>
+                <a:sym typeface="Helvetica"/>
+                <a:hlinkClick r:id="rId2"/>
+              </a:rPr>
+              <a:t>www.haimaxy.com</a:t>
+            </a:r>
+            <a:endParaRPr kumimoji="0" lang="zh-CN" altLang="en-US" sz="1800" b="0" i="0" u="none" strike="noStrike" cap="none" spc="0" normalizeH="0" baseline="0" dirty="0" smtClean="0">
+              <a:ln>
+                <a:noFill/>
+              </a:ln>
+              <a:solidFill>
+                <a:srgbClr val="000000"/>
+              </a:solidFill>
+              <a:effectLst/>
+              <a:uFillTx/>
+              <a:latin typeface="+mj-lt"/>
+              <a:ea typeface="+mj-ea"/>
+              <a:cs typeface="+mj-cs"/>
+              <a:sym typeface="Helvetica"/>
+            </a:endParaRPr>
+          </a:p>
+          <a:p>
+            <a:pPr marL="0" marR="0" indent="0" algn="l" defTabSz="914400" rtl="0" fontAlgn="auto" latinLnBrk="0" hangingPunct="0">
+              <a:lnSpc>
+                <a:spcPct val="100000"/>
+              </a:lnSpc>
+              <a:spcBef>
+                <a:spcPts val="0"/>
+              </a:spcBef>
+              <a:spcAft>
+                <a:spcPts val="0"/>
+              </a:spcAft>
+              <a:buClrTx/>
+              <a:buSzTx/>
+              <a:buFontTx/>
+              <a:buNone/>
+              <a:tabLst/>
+            </a:pPr>
+            <a:r>
+              <a:rPr kumimoji="0" lang="zh-CN" altLang="en-US" sz="1800" b="0" i="0" u="none" strike="noStrike" cap="none" spc="0" normalizeH="0" baseline="0" dirty="0" smtClean="0">
+                <a:ln>
+                  <a:noFill/>
+                </a:ln>
+                <a:solidFill>
+                  <a:srgbClr val="000000"/>
+                </a:solidFill>
+                <a:effectLst/>
+                <a:uFillTx/>
+                <a:latin typeface="+mj-lt"/>
+                <a:ea typeface="+mj-ea"/>
+                <a:cs typeface="+mj-cs"/>
+                <a:sym typeface="Helvetica"/>
+              </a:rPr>
+              <a:t>公众帐号</a:t>
+            </a:r>
+            <a:r>
+              <a:rPr kumimoji="0" lang="en-US" altLang="zh-CN" sz="1800" b="0" i="0" u="none" strike="noStrike" cap="none" spc="0" normalizeH="0" baseline="0" dirty="0" smtClean="0">
+                <a:ln>
+                  <a:noFill/>
+                </a:ln>
+                <a:solidFill>
+                  <a:srgbClr val="000000"/>
+                </a:solidFill>
+                <a:effectLst/>
+                <a:uFillTx/>
+                <a:latin typeface="+mj-lt"/>
+                <a:ea typeface="+mj-ea"/>
+                <a:cs typeface="+mj-cs"/>
+                <a:sym typeface="Helvetica"/>
+              </a:rPr>
+              <a:t>:</a:t>
+            </a:r>
+            <a:r>
+              <a:rPr kumimoji="0" lang="zh-CN" altLang="en-US" sz="1800" b="0" i="0" u="none" strike="noStrike" cap="none" spc="0" normalizeH="0" dirty="0" smtClean="0">
+                <a:ln>
+                  <a:noFill/>
+                </a:ln>
+                <a:solidFill>
+                  <a:srgbClr val="000000"/>
+                </a:solidFill>
+                <a:effectLst/>
+                <a:uFillTx/>
+                <a:latin typeface="+mj-lt"/>
+                <a:ea typeface="+mj-ea"/>
+                <a:cs typeface="+mj-cs"/>
+                <a:sym typeface="Helvetica"/>
+              </a:rPr>
+              <a:t> 优点知识</a:t>
+            </a:r>
+          </a:p>
+          <a:p>
+            <a:pPr marL="0" marR="0" indent="0" algn="l" defTabSz="914400" rtl="0" fontAlgn="auto" latinLnBrk="0" hangingPunct="0">
+              <a:lnSpc>
+                <a:spcPct val="100000"/>
+              </a:lnSpc>
+              <a:spcBef>
+                <a:spcPts val="0"/>
+              </a:spcBef>
+              <a:spcAft>
+                <a:spcPts val="0"/>
+              </a:spcAft>
+              <a:buClrTx/>
+              <a:buSzTx/>
+              <a:buFontTx/>
+              <a:buNone/>
+              <a:tabLst/>
+            </a:pPr>
+            <a:r>
+              <a:rPr kumimoji="0" lang="zh-CN" altLang="en-US" sz="1800" b="0" i="0" u="none" strike="noStrike" cap="none" spc="0" normalizeH="0" baseline="0" dirty="0" smtClean="0">
+                <a:ln>
+                  <a:noFill/>
+                </a:ln>
+                <a:solidFill>
+                  <a:srgbClr val="000000"/>
+                </a:solidFill>
+                <a:effectLst/>
+                <a:uFillTx/>
+                <a:latin typeface="+mj-lt"/>
+                <a:ea typeface="+mj-ea"/>
+                <a:cs typeface="+mj-cs"/>
+                <a:sym typeface="Helvetica"/>
+              </a:rPr>
+              <a:t>小程序：优点知识</a:t>
+            </a:r>
+          </a:p>
+          <a:p>
+            <a:pPr marL="0" marR="0" indent="0" algn="l" defTabSz="914400" rtl="0" fontAlgn="auto" latinLnBrk="0" hangingPunct="0">
+              <a:lnSpc>
+                <a:spcPct val="100000"/>
+              </a:lnSpc>
+              <a:spcBef>
+                <a:spcPts val="0"/>
+              </a:spcBef>
+              <a:spcAft>
+                <a:spcPts val="0"/>
+              </a:spcAft>
+              <a:buClrTx/>
+              <a:buSzTx/>
+              <a:buFontTx/>
+              <a:buNone/>
+              <a:tabLst/>
+            </a:pPr>
+            <a:r>
+              <a:rPr kumimoji="0" lang="zh-CN" altLang="en-US" sz="1800" b="0" i="0" u="none" strike="noStrike" cap="none" spc="0" normalizeH="0" baseline="0" dirty="0" smtClean="0">
+                <a:ln>
+                  <a:noFill/>
+                </a:ln>
+                <a:solidFill>
+                  <a:srgbClr val="000000"/>
+                </a:solidFill>
+                <a:effectLst/>
+                <a:uFillTx/>
+                <a:latin typeface="+mj-lt"/>
+                <a:ea typeface="+mj-ea"/>
+                <a:cs typeface="+mj-cs"/>
+                <a:sym typeface="Helvetica"/>
+              </a:rPr>
+              <a:t>个人微信号</a:t>
+            </a:r>
+            <a:r>
+              <a:rPr kumimoji="0" lang="en-US" altLang="zh-CN" sz="1800" b="0" i="0" u="none" strike="noStrike" cap="none" spc="0" normalizeH="0" baseline="0" dirty="0" smtClean="0">
+                <a:ln>
+                  <a:noFill/>
+                </a:ln>
+                <a:solidFill>
+                  <a:srgbClr val="000000"/>
+                </a:solidFill>
+                <a:effectLst/>
+                <a:uFillTx/>
+                <a:latin typeface="+mj-lt"/>
+                <a:ea typeface="+mj-ea"/>
+                <a:cs typeface="+mj-cs"/>
+                <a:sym typeface="Helvetica"/>
+              </a:rPr>
+              <a:t>:</a:t>
+            </a:r>
+            <a:r>
+              <a:rPr kumimoji="0" lang="zh-CN" altLang="en-US" sz="1800" b="0" i="0" u="none" strike="noStrike" cap="none" spc="0" normalizeH="0" dirty="0" smtClean="0">
+                <a:ln>
+                  <a:noFill/>
+                </a:ln>
+                <a:solidFill>
+                  <a:srgbClr val="000000"/>
+                </a:solidFill>
+                <a:effectLst/>
+                <a:uFillTx/>
+                <a:latin typeface="+mj-lt"/>
+                <a:ea typeface="+mj-ea"/>
+                <a:cs typeface="+mj-cs"/>
+                <a:sym typeface="Helvetica"/>
+              </a:rPr>
+              <a:t> </a:t>
+            </a:r>
+            <a:r>
+              <a:rPr kumimoji="0" lang="en-US" altLang="zh-CN" sz="1800" b="0" i="0" u="none" strike="noStrike" cap="none" spc="0" normalizeH="0" dirty="0" err="1" smtClean="0">
+                <a:ln>
+                  <a:noFill/>
+                </a:ln>
+                <a:solidFill>
+                  <a:srgbClr val="000000"/>
+                </a:solidFill>
+                <a:effectLst/>
+                <a:uFillTx/>
+                <a:latin typeface="+mj-lt"/>
+                <a:ea typeface="+mj-ea"/>
+                <a:cs typeface="+mj-cs"/>
+                <a:sym typeface="Helvetica"/>
+              </a:rPr>
+              <a:t>iEverything</a:t>
+            </a:r>
+            <a:endParaRPr kumimoji="0" lang="en-US" sz="1800" b="0" i="0" u="none" strike="noStrike" cap="none" spc="0" normalizeH="0" baseline="0" dirty="0">
+              <a:ln>
+                <a:noFill/>
+              </a:ln>
+              <a:solidFill>
+                <a:srgbClr val="000000"/>
+              </a:solidFill>
+              <a:effectLst/>
+              <a:uFillTx/>
+              <a:latin typeface="+mj-lt"/>
+              <a:ea typeface="+mj-ea"/>
+              <a:cs typeface="+mj-cs"/>
+              <a:sym typeface="Helvetica"/>
+            </a:endParaRPr>
+          </a:p>
+        </p:txBody>
+      </p:sp>
+      <p:pic>
+        <p:nvPicPr>
+          <p:cNvPr id="9" name="Picture 8"/>
+          <p:cNvPicPr>
+            <a:picLocks noChangeAspect="1"/>
+          </p:cNvPicPr>
+          <p:nvPr/>
+        </p:nvPicPr>
+        <p:blipFill>
+          <a:blip r:embed="rId3">
+            <a:extLst>
+              <a:ext uri="{28A0092B-C50C-407E-A947-70E740481C1C}">
+                <a14:useLocalDpi xmlns:a14="http://schemas.microsoft.com/office/drawing/2010/main" val="0"/>
+              </a:ext>
+            </a:extLst>
+          </a:blip>
+          <a:stretch>
+            <a:fillRect/>
+          </a:stretch>
+        </p:blipFill>
+        <p:spPr>
+          <a:xfrm>
+            <a:off x="4608513" y="3555805"/>
+            <a:ext cx="3048000" cy="3048000"/>
+          </a:xfrm>
+          <a:prstGeom prst="rect">
+            <a:avLst/>
+          </a:prstGeom>
+        </p:spPr>
+      </p:pic>
+      <p:pic>
+        <p:nvPicPr>
+          <p:cNvPr id="10" name="Picture 9"/>
+          <p:cNvPicPr>
+            <a:picLocks noChangeAspect="1"/>
+          </p:cNvPicPr>
+          <p:nvPr/>
+        </p:nvPicPr>
+        <p:blipFill>
+          <a:blip r:embed="rId4">
+            <a:extLst>
+              <a:ext uri="{28A0092B-C50C-407E-A947-70E740481C1C}">
+                <a14:useLocalDpi xmlns:a14="http://schemas.microsoft.com/office/drawing/2010/main" val="0"/>
+              </a:ext>
+            </a:extLst>
+          </a:blip>
+          <a:stretch>
+            <a:fillRect/>
+          </a:stretch>
+        </p:blipFill>
+        <p:spPr>
+          <a:xfrm>
+            <a:off x="8553146" y="3424648"/>
+            <a:ext cx="3048000" cy="3048000"/>
+          </a:xfrm>
+          <a:prstGeom prst="rect">
+            <a:avLst/>
+          </a:prstGeom>
+        </p:spPr>
+      </p:pic>
+      <p:pic>
+        <p:nvPicPr>
+          <p:cNvPr id="11" name="Picture 10"/>
+          <p:cNvPicPr>
+            <a:picLocks noChangeAspect="1"/>
+          </p:cNvPicPr>
+          <p:nvPr/>
+        </p:nvPicPr>
+        <p:blipFill>
+          <a:blip r:embed="rId5">
+            <a:extLst>
+              <a:ext uri="{28A0092B-C50C-407E-A947-70E740481C1C}">
+                <a14:useLocalDpi xmlns:a14="http://schemas.microsoft.com/office/drawing/2010/main" val="0"/>
+              </a:ext>
+            </a:extLst>
+          </a:blip>
+          <a:stretch>
+            <a:fillRect/>
+          </a:stretch>
+        </p:blipFill>
+        <p:spPr>
+          <a:xfrm>
+            <a:off x="365504" y="3357563"/>
+            <a:ext cx="3182170" cy="3182170"/>
+          </a:xfrm>
+          <a:prstGeom prst="rect">
+            <a:avLst/>
+          </a:prstGeom>
+        </p:spPr>
+      </p:pic>
+    </p:spTree>
+    <p:extLst>
+      <p:ext uri="{BB962C8B-B14F-4D97-AF65-F5344CB8AC3E}">
+        <p14:creationId xmlns:p14="http://schemas.microsoft.com/office/powerpoint/2010/main" val="1540383426"/>
+      </p:ext>
+    </p:extLst>
+  </p:cSld>
+  <p:clrMapOvr>
+    <a:masterClrMapping/>
+  </p:clrMapOvr>
+  <p:transition spd="med"/>
+  <p:timing>
+    <p:tnLst>
+      <p:par>
+        <p:cTn id="1" dur="indefinite" restart="never" nodeType="tmRoot"/>
+      </p:par>
+    </p:tnLst>
   </p:timing>
 </p:sld>
 </file>
